--- a/Paskaitos/LIKTA_AI_3rd_Webinar_Azure_ML_Designer_Lithuanian.pptx
+++ b/Paskaitos/LIKTA_AI_3rd_Webinar_Azure_ML_Designer_Lithuanian.pptx
@@ -209,7 +209,7 @@
           <a:p>
             <a:fld id="{438DFA96-F4C8-344E-9678-9E929958C49C}" type="datetimeFigureOut">
               <a:rPr lang="en-LV" smtClean="0"/>
-              <a:t>9/17/23</a:t>
+              <a:t>9/18/23</a:t>
             </a:fld>
             <a:endParaRPr lang="en-LV"/>
           </a:p>
@@ -2202,769 +2202,6 @@
           <a:bodyPr/>
           <a:lstStyle/>
           <a:p>
-            <a:pPr algn="l"/>
-            <a:r>
-              <a:rPr lang="en-GB" b="0" i="0" dirty="0">
-                <a:solidFill>
-                  <a:schemeClr val="bg1"/>
-                </a:solidFill>
-                <a:effectLst/>
-                <a:latin typeface="Roboto" panose="02000000000000000000" pitchFamily="2" charset="0"/>
-              </a:rPr>
-              <a:t>O </a:t>
-            </a:r>
-            <a:r>
-              <a:rPr lang="en-GB" b="0" i="0" dirty="0" err="1">
-                <a:solidFill>
-                  <a:schemeClr val="bg1"/>
-                </a:solidFill>
-                <a:effectLst/>
-                <a:latin typeface="Roboto" panose="02000000000000000000" pitchFamily="2" charset="0"/>
-              </a:rPr>
-              <a:t>dabar</a:t>
-            </a:r>
-            <a:r>
-              <a:rPr lang="en-GB" b="0" i="0" dirty="0">
-                <a:solidFill>
-                  <a:schemeClr val="bg1"/>
-                </a:solidFill>
-                <a:effectLst/>
-                <a:latin typeface="Roboto" panose="02000000000000000000" pitchFamily="2" charset="0"/>
-              </a:rPr>
-              <a:t> </a:t>
-            </a:r>
-            <a:r>
-              <a:rPr lang="en-GB" b="0" i="0" dirty="0" err="1">
-                <a:solidFill>
-                  <a:schemeClr val="bg1"/>
-                </a:solidFill>
-                <a:effectLst/>
-                <a:latin typeface="Roboto" panose="02000000000000000000" pitchFamily="2" charset="0"/>
-              </a:rPr>
-              <a:t>teorija</a:t>
-            </a:r>
-            <a:r>
-              <a:rPr lang="en-GB" b="0" i="0" dirty="0">
-                <a:solidFill>
-                  <a:schemeClr val="bg1"/>
-                </a:solidFill>
-                <a:effectLst/>
-                <a:latin typeface="Roboto" panose="02000000000000000000" pitchFamily="2" charset="0"/>
-              </a:rPr>
-              <a:t> </a:t>
-            </a:r>
-            <a:r>
-              <a:rPr lang="en-GB" b="0" i="0" dirty="0" err="1">
-                <a:solidFill>
-                  <a:schemeClr val="bg1"/>
-                </a:solidFill>
-                <a:effectLst/>
-                <a:latin typeface="Roboto" panose="02000000000000000000" pitchFamily="2" charset="0"/>
-              </a:rPr>
-              <a:t>baigta</a:t>
-            </a:r>
-            <a:r>
-              <a:rPr lang="en-GB" b="0" i="0" dirty="0">
-                <a:solidFill>
-                  <a:schemeClr val="bg1"/>
-                </a:solidFill>
-                <a:effectLst/>
-                <a:latin typeface="Roboto" panose="02000000000000000000" pitchFamily="2" charset="0"/>
-              </a:rPr>
-              <a:t> </a:t>
-            </a:r>
-            <a:r>
-              <a:rPr lang="en-GB" b="0" i="0" dirty="0" err="1">
-                <a:solidFill>
-                  <a:schemeClr val="bg1"/>
-                </a:solidFill>
-                <a:effectLst/>
-                <a:latin typeface="Roboto" panose="02000000000000000000" pitchFamily="2" charset="0"/>
-              </a:rPr>
-              <a:t>ir</a:t>
-            </a:r>
-            <a:r>
-              <a:rPr lang="en-GB" b="0" i="0" dirty="0">
-                <a:solidFill>
-                  <a:schemeClr val="bg1"/>
-                </a:solidFill>
-                <a:effectLst/>
-                <a:latin typeface="Roboto" panose="02000000000000000000" pitchFamily="2" charset="0"/>
-              </a:rPr>
-              <a:t> </a:t>
-            </a:r>
-            <a:r>
-              <a:rPr lang="en-GB" b="0" i="0" dirty="0" err="1">
-                <a:solidFill>
-                  <a:schemeClr val="bg1"/>
-                </a:solidFill>
-                <a:effectLst/>
-                <a:latin typeface="Roboto" panose="02000000000000000000" pitchFamily="2" charset="0"/>
-              </a:rPr>
-              <a:t>mes</a:t>
-            </a:r>
-            <a:r>
-              <a:rPr lang="en-GB" b="0" i="0" dirty="0">
-                <a:solidFill>
-                  <a:schemeClr val="bg1"/>
-                </a:solidFill>
-                <a:effectLst/>
-                <a:latin typeface="Roboto" panose="02000000000000000000" pitchFamily="2" charset="0"/>
-              </a:rPr>
-              <a:t> </a:t>
-            </a:r>
-            <a:r>
-              <a:rPr lang="en-GB" b="0" i="0" dirty="0" err="1">
-                <a:solidFill>
-                  <a:schemeClr val="bg1"/>
-                </a:solidFill>
-                <a:effectLst/>
-                <a:latin typeface="Roboto" panose="02000000000000000000" pitchFamily="2" charset="0"/>
-              </a:rPr>
-              <a:t>paziuresime</a:t>
-            </a:r>
-            <a:r>
-              <a:rPr lang="en-GB" b="0" i="0" dirty="0">
-                <a:solidFill>
-                  <a:schemeClr val="bg1"/>
-                </a:solidFill>
-                <a:effectLst/>
-                <a:latin typeface="Roboto" panose="02000000000000000000" pitchFamily="2" charset="0"/>
-              </a:rPr>
-              <a:t> </a:t>
-            </a:r>
-            <a:r>
-              <a:rPr lang="en-GB" b="0" i="0" dirty="0" err="1">
-                <a:solidFill>
-                  <a:schemeClr val="bg1"/>
-                </a:solidFill>
-                <a:effectLst/>
-                <a:latin typeface="Roboto" panose="02000000000000000000" pitchFamily="2" charset="0"/>
-              </a:rPr>
-              <a:t>recordinima</a:t>
-            </a:r>
-            <a:r>
-              <a:rPr lang="en-GB" b="0" i="0" dirty="0">
-                <a:solidFill>
-                  <a:schemeClr val="bg1"/>
-                </a:solidFill>
-                <a:effectLst/>
-                <a:latin typeface="Roboto" panose="02000000000000000000" pitchFamily="2" charset="0"/>
-              </a:rPr>
-              <a:t> </a:t>
-            </a:r>
-            <a:r>
-              <a:rPr lang="en-GB" b="0" i="0" dirty="0" err="1">
-                <a:solidFill>
-                  <a:schemeClr val="bg1"/>
-                </a:solidFill>
-                <a:effectLst/>
-                <a:latin typeface="Roboto" panose="02000000000000000000" pitchFamily="2" charset="0"/>
-              </a:rPr>
-              <a:t>kaip</a:t>
-            </a:r>
-            <a:r>
-              <a:rPr lang="en-GB" b="0" i="0" dirty="0">
-                <a:solidFill>
-                  <a:schemeClr val="bg1"/>
-                </a:solidFill>
-                <a:effectLst/>
-                <a:latin typeface="Roboto" panose="02000000000000000000" pitchFamily="2" charset="0"/>
-              </a:rPr>
-              <a:t> </a:t>
-            </a:r>
-            <a:r>
-              <a:rPr lang="en-GB" b="0" i="0" dirty="0" err="1">
-                <a:solidFill>
-                  <a:schemeClr val="bg1"/>
-                </a:solidFill>
-                <a:effectLst/>
-                <a:latin typeface="Roboto" panose="02000000000000000000" pitchFamily="2" charset="0"/>
-              </a:rPr>
-              <a:t>viskas</a:t>
-            </a:r>
-            <a:r>
-              <a:rPr lang="en-GB" b="0" i="0" dirty="0">
-                <a:solidFill>
-                  <a:schemeClr val="bg1"/>
-                </a:solidFill>
-                <a:effectLst/>
-                <a:latin typeface="Roboto" panose="02000000000000000000" pitchFamily="2" charset="0"/>
-              </a:rPr>
-              <a:t> </a:t>
-            </a:r>
-            <a:r>
-              <a:rPr lang="en-GB" b="0" i="0" dirty="0" err="1">
-                <a:solidFill>
-                  <a:schemeClr val="bg1"/>
-                </a:solidFill>
-                <a:effectLst/>
-                <a:latin typeface="Roboto" panose="02000000000000000000" pitchFamily="2" charset="0"/>
-              </a:rPr>
-              <a:t>apie</a:t>
-            </a:r>
-            <a:r>
-              <a:rPr lang="en-GB" b="0" i="0" dirty="0">
-                <a:solidFill>
-                  <a:schemeClr val="bg1"/>
-                </a:solidFill>
-                <a:effectLst/>
-                <a:latin typeface="Roboto" panose="02000000000000000000" pitchFamily="2" charset="0"/>
-              </a:rPr>
-              <a:t> ka </a:t>
-            </a:r>
-            <a:r>
-              <a:rPr lang="en-GB" b="0" i="0" dirty="0" err="1">
-                <a:solidFill>
-                  <a:schemeClr val="bg1"/>
-                </a:solidFill>
-                <a:effectLst/>
-                <a:latin typeface="Roboto" panose="02000000000000000000" pitchFamily="2" charset="0"/>
-              </a:rPr>
-              <a:t>snekejau</a:t>
-            </a:r>
-            <a:r>
-              <a:rPr lang="en-GB" b="0" i="0" dirty="0">
-                <a:solidFill>
-                  <a:schemeClr val="bg1"/>
-                </a:solidFill>
-                <a:effectLst/>
-                <a:latin typeface="Roboto" panose="02000000000000000000" pitchFamily="2" charset="0"/>
-              </a:rPr>
-              <a:t> </a:t>
-            </a:r>
-            <a:r>
-              <a:rPr lang="en-GB" b="0" i="0" dirty="0" err="1">
-                <a:solidFill>
-                  <a:schemeClr val="bg1"/>
-                </a:solidFill>
-                <a:effectLst/>
-                <a:latin typeface="Roboto" panose="02000000000000000000" pitchFamily="2" charset="0"/>
-              </a:rPr>
-              <a:t>atrodys</a:t>
-            </a:r>
-            <a:r>
-              <a:rPr lang="en-GB" b="0" i="0" dirty="0">
-                <a:solidFill>
-                  <a:schemeClr val="bg1"/>
-                </a:solidFill>
-                <a:effectLst/>
-                <a:latin typeface="Roboto" panose="02000000000000000000" pitchFamily="2" charset="0"/>
-              </a:rPr>
-              <a:t> </a:t>
-            </a:r>
-            <a:r>
-              <a:rPr lang="en-GB" b="0" i="0" dirty="0" err="1">
-                <a:solidFill>
-                  <a:schemeClr val="bg1"/>
-                </a:solidFill>
-                <a:effectLst/>
-                <a:latin typeface="Roboto" panose="02000000000000000000" pitchFamily="2" charset="0"/>
-              </a:rPr>
-              <a:t>ir</a:t>
-            </a:r>
-            <a:r>
-              <a:rPr lang="en-GB" b="0" i="0" dirty="0">
-                <a:solidFill>
-                  <a:schemeClr val="bg1"/>
-                </a:solidFill>
-                <a:effectLst/>
-                <a:latin typeface="Roboto" panose="02000000000000000000" pitchFamily="2" charset="0"/>
-              </a:rPr>
-              <a:t> </a:t>
-            </a:r>
-            <a:r>
-              <a:rPr lang="en-GB" b="0" i="0" dirty="0" err="1">
-                <a:solidFill>
-                  <a:schemeClr val="bg1"/>
-                </a:solidFill>
-                <a:effectLst/>
-                <a:latin typeface="Roboto" panose="02000000000000000000" pitchFamily="2" charset="0"/>
-              </a:rPr>
-              <a:t>galbut</a:t>
-            </a:r>
-            <a:r>
-              <a:rPr lang="en-GB" b="0" i="0" dirty="0">
-                <a:solidFill>
-                  <a:schemeClr val="bg1"/>
-                </a:solidFill>
-                <a:effectLst/>
-                <a:latin typeface="Roboto" panose="02000000000000000000" pitchFamily="2" charset="0"/>
-              </a:rPr>
-              <a:t> </a:t>
-            </a:r>
-            <a:r>
-              <a:rPr lang="en-GB" b="0" i="0" dirty="0" err="1">
-                <a:solidFill>
-                  <a:schemeClr val="bg1"/>
-                </a:solidFill>
-                <a:effectLst/>
-                <a:latin typeface="Roboto" panose="02000000000000000000" pitchFamily="2" charset="0"/>
-              </a:rPr>
-              <a:t>jei</a:t>
-            </a:r>
-            <a:r>
-              <a:rPr lang="en-GB" b="0" i="0" dirty="0">
-                <a:solidFill>
-                  <a:schemeClr val="bg1"/>
-                </a:solidFill>
-                <a:effectLst/>
-                <a:latin typeface="Roboto" panose="02000000000000000000" pitchFamily="2" charset="0"/>
-              </a:rPr>
-              <a:t> </a:t>
-            </a:r>
-            <a:r>
-              <a:rPr lang="en-GB" b="0" i="0" dirty="0" err="1">
-                <a:solidFill>
-                  <a:schemeClr val="bg1"/>
-                </a:solidFill>
-                <a:effectLst/>
-                <a:latin typeface="Roboto" panose="02000000000000000000" pitchFamily="2" charset="0"/>
-              </a:rPr>
-              <a:t>turesime</a:t>
-            </a:r>
-            <a:r>
-              <a:rPr lang="en-GB" b="0" i="0" dirty="0">
-                <a:solidFill>
-                  <a:schemeClr val="bg1"/>
-                </a:solidFill>
-                <a:effectLst/>
-                <a:latin typeface="Roboto" panose="02000000000000000000" pitchFamily="2" charset="0"/>
-              </a:rPr>
-              <a:t> </a:t>
-            </a:r>
-            <a:r>
-              <a:rPr lang="en-GB" b="0" i="0" dirty="0" err="1">
-                <a:solidFill>
-                  <a:schemeClr val="bg1"/>
-                </a:solidFill>
-                <a:effectLst/>
-                <a:latin typeface="Roboto" panose="02000000000000000000" pitchFamily="2" charset="0"/>
-              </a:rPr>
-              <a:t>paziuresime</a:t>
-            </a:r>
-            <a:r>
-              <a:rPr lang="en-GB" b="0" i="0" dirty="0">
-                <a:solidFill>
-                  <a:schemeClr val="bg1"/>
-                </a:solidFill>
-                <a:effectLst/>
-                <a:latin typeface="Roboto" panose="02000000000000000000" pitchFamily="2" charset="0"/>
-              </a:rPr>
-              <a:t> </a:t>
-            </a:r>
-            <a:r>
-              <a:rPr lang="en-GB" b="0" i="0" dirty="0" err="1">
-                <a:solidFill>
-                  <a:schemeClr val="bg1"/>
-                </a:solidFill>
-                <a:effectLst/>
-                <a:latin typeface="Roboto" panose="02000000000000000000" pitchFamily="2" charset="0"/>
-              </a:rPr>
-              <a:t>dar</a:t>
-            </a:r>
-            <a:r>
-              <a:rPr lang="en-GB" b="0" i="0" dirty="0">
-                <a:solidFill>
-                  <a:schemeClr val="bg1"/>
-                </a:solidFill>
-                <a:effectLst/>
-                <a:latin typeface="Roboto" panose="02000000000000000000" pitchFamily="2" charset="0"/>
-              </a:rPr>
-              <a:t> </a:t>
-            </a:r>
-            <a:r>
-              <a:rPr lang="en-GB" b="0" i="0" dirty="0" err="1">
-                <a:solidFill>
-                  <a:schemeClr val="bg1"/>
-                </a:solidFill>
-                <a:effectLst/>
-                <a:latin typeface="Roboto" panose="02000000000000000000" pitchFamily="2" charset="0"/>
-              </a:rPr>
-              <a:t>viena</a:t>
-            </a:r>
-            <a:r>
-              <a:rPr lang="en-GB" b="0" i="0" dirty="0">
-                <a:solidFill>
-                  <a:schemeClr val="bg1"/>
-                </a:solidFill>
-                <a:effectLst/>
-                <a:latin typeface="Roboto" panose="02000000000000000000" pitchFamily="2" charset="0"/>
-              </a:rPr>
-              <a:t> video </a:t>
-            </a:r>
-            <a:r>
-              <a:rPr lang="en-GB" b="0" i="0" dirty="0" err="1">
-                <a:solidFill>
-                  <a:schemeClr val="bg1"/>
-                </a:solidFill>
-                <a:effectLst/>
-                <a:latin typeface="Roboto" panose="02000000000000000000" pitchFamily="2" charset="0"/>
-              </a:rPr>
-              <a:t>kuris</a:t>
-            </a:r>
-            <a:r>
-              <a:rPr lang="en-GB" b="0" i="0" dirty="0">
-                <a:solidFill>
-                  <a:schemeClr val="bg1"/>
-                </a:solidFill>
-                <a:effectLst/>
-                <a:latin typeface="Roboto" panose="02000000000000000000" pitchFamily="2" charset="0"/>
-              </a:rPr>
-              <a:t> </a:t>
-            </a:r>
-            <a:r>
-              <a:rPr lang="en-GB" b="0" i="0" dirty="0" err="1">
-                <a:solidFill>
-                  <a:schemeClr val="bg1"/>
-                </a:solidFill>
-                <a:effectLst/>
-                <a:latin typeface="Roboto" panose="02000000000000000000" pitchFamily="2" charset="0"/>
-              </a:rPr>
-              <a:t>glaustai</a:t>
-            </a:r>
-            <a:r>
-              <a:rPr lang="en-GB" b="0" i="0" dirty="0">
-                <a:solidFill>
-                  <a:schemeClr val="bg1"/>
-                </a:solidFill>
-                <a:effectLst/>
-                <a:latin typeface="Roboto" panose="02000000000000000000" pitchFamily="2" charset="0"/>
-              </a:rPr>
-              <a:t> </a:t>
-            </a:r>
-            <a:r>
-              <a:rPr lang="en-GB" b="0" i="0" dirty="0" err="1">
-                <a:solidFill>
-                  <a:schemeClr val="bg1"/>
-                </a:solidFill>
-                <a:effectLst/>
-                <a:latin typeface="Roboto" panose="02000000000000000000" pitchFamily="2" charset="0"/>
-              </a:rPr>
-              <a:t>parodo</a:t>
-            </a:r>
-            <a:r>
-              <a:rPr lang="en-GB" b="0" i="0" dirty="0">
-                <a:solidFill>
-                  <a:schemeClr val="bg1"/>
-                </a:solidFill>
-                <a:effectLst/>
-                <a:latin typeface="Roboto" panose="02000000000000000000" pitchFamily="2" charset="0"/>
-              </a:rPr>
-              <a:t> </a:t>
-            </a:r>
-            <a:r>
-              <a:rPr lang="en-GB" b="0" i="0" dirty="0" err="1">
-                <a:solidFill>
-                  <a:schemeClr val="bg1"/>
-                </a:solidFill>
-                <a:effectLst/>
-                <a:latin typeface="Roboto" panose="02000000000000000000" pitchFamily="2" charset="0"/>
-              </a:rPr>
-              <a:t>kaip</a:t>
-            </a:r>
-            <a:r>
-              <a:rPr lang="en-GB" b="0" i="0" dirty="0">
-                <a:solidFill>
-                  <a:schemeClr val="bg1"/>
-                </a:solidFill>
-                <a:effectLst/>
-                <a:latin typeface="Roboto" panose="02000000000000000000" pitchFamily="2" charset="0"/>
-              </a:rPr>
-              <a:t> </a:t>
-            </a:r>
-            <a:r>
-              <a:rPr lang="en-GB" b="0" i="0" dirty="0" err="1">
-                <a:solidFill>
-                  <a:schemeClr val="bg1"/>
-                </a:solidFill>
-                <a:effectLst/>
-                <a:latin typeface="Roboto" panose="02000000000000000000" pitchFamily="2" charset="0"/>
-              </a:rPr>
-              <a:t>naudoti</a:t>
-            </a:r>
-            <a:r>
-              <a:rPr lang="en-GB" b="0" i="0" dirty="0">
-                <a:solidFill>
-                  <a:schemeClr val="bg1"/>
-                </a:solidFill>
-                <a:effectLst/>
-                <a:latin typeface="Roboto" panose="02000000000000000000" pitchFamily="2" charset="0"/>
-              </a:rPr>
-              <a:t> </a:t>
-            </a:r>
-            <a:r>
-              <a:rPr lang="en-GB" b="0" i="0" dirty="0" err="1">
-                <a:solidFill>
-                  <a:schemeClr val="bg1"/>
-                </a:solidFill>
-                <a:effectLst/>
-                <a:latin typeface="Roboto" panose="02000000000000000000" pitchFamily="2" charset="0"/>
-              </a:rPr>
-              <a:t>Designer’i</a:t>
-            </a:r>
-            <a:r>
-              <a:rPr lang="en-GB" b="0" i="0" dirty="0">
-                <a:solidFill>
-                  <a:schemeClr val="bg1"/>
-                </a:solidFill>
-                <a:effectLst/>
-                <a:latin typeface="Roboto" panose="02000000000000000000" pitchFamily="2" charset="0"/>
-              </a:rPr>
-              <a:t>, o </a:t>
-            </a:r>
-            <a:r>
-              <a:rPr lang="en-GB" b="0" i="0" dirty="0" err="1">
-                <a:solidFill>
-                  <a:schemeClr val="bg1"/>
-                </a:solidFill>
-                <a:effectLst/>
-                <a:latin typeface="Roboto" panose="02000000000000000000" pitchFamily="2" charset="0"/>
-              </a:rPr>
-              <a:t>jei</a:t>
-            </a:r>
-            <a:r>
-              <a:rPr lang="en-GB" b="0" i="0" dirty="0">
-                <a:solidFill>
-                  <a:schemeClr val="bg1"/>
-                </a:solidFill>
-                <a:effectLst/>
-                <a:latin typeface="Roboto" panose="02000000000000000000" pitchFamily="2" charset="0"/>
-              </a:rPr>
-              <a:t> </a:t>
-            </a:r>
-            <a:r>
-              <a:rPr lang="en-GB" b="0" i="0" dirty="0" err="1">
-                <a:solidFill>
-                  <a:schemeClr val="bg1"/>
-                </a:solidFill>
-                <a:effectLst/>
-                <a:latin typeface="Roboto" panose="02000000000000000000" pitchFamily="2" charset="0"/>
-              </a:rPr>
-              <a:t>nespesime</a:t>
-            </a:r>
-            <a:r>
-              <a:rPr lang="en-GB" b="0" i="0" dirty="0">
-                <a:solidFill>
-                  <a:schemeClr val="bg1"/>
-                </a:solidFill>
-                <a:effectLst/>
-                <a:latin typeface="Roboto" panose="02000000000000000000" pitchFamily="2" charset="0"/>
-              </a:rPr>
-              <a:t> </a:t>
-            </a:r>
-            <a:r>
-              <a:rPr lang="en-GB" b="0" i="0" dirty="0" err="1">
-                <a:solidFill>
-                  <a:schemeClr val="bg1"/>
-                </a:solidFill>
-                <a:effectLst/>
-                <a:latin typeface="Roboto" panose="02000000000000000000" pitchFamily="2" charset="0"/>
-              </a:rPr>
-              <a:t>siandien</a:t>
-            </a:r>
-            <a:r>
-              <a:rPr lang="en-GB" b="0" i="0" dirty="0">
-                <a:solidFill>
-                  <a:schemeClr val="bg1"/>
-                </a:solidFill>
-                <a:effectLst/>
-                <a:latin typeface="Roboto" panose="02000000000000000000" pitchFamily="2" charset="0"/>
-              </a:rPr>
-              <a:t> – tai </a:t>
-            </a:r>
-            <a:r>
-              <a:rPr lang="en-GB" b="0" i="0" dirty="0" err="1">
-                <a:solidFill>
-                  <a:schemeClr val="bg1"/>
-                </a:solidFill>
-                <a:effectLst/>
-                <a:latin typeface="Roboto" panose="02000000000000000000" pitchFamily="2" charset="0"/>
-              </a:rPr>
-              <a:t>nueikite</a:t>
-            </a:r>
-            <a:r>
-              <a:rPr lang="en-GB" b="0" i="0" dirty="0">
-                <a:solidFill>
-                  <a:schemeClr val="bg1"/>
-                </a:solidFill>
-                <a:effectLst/>
-                <a:latin typeface="Roboto" panose="02000000000000000000" pitchFamily="2" charset="0"/>
-              </a:rPr>
-              <a:t> </a:t>
-            </a:r>
-            <a:r>
-              <a:rPr lang="en-GB" b="0" i="0" dirty="0" err="1">
-                <a:solidFill>
-                  <a:schemeClr val="bg1"/>
-                </a:solidFill>
-                <a:effectLst/>
-                <a:latin typeface="Roboto" panose="02000000000000000000" pitchFamily="2" charset="0"/>
-              </a:rPr>
-              <a:t>i</a:t>
-            </a:r>
-            <a:r>
-              <a:rPr lang="en-GB" b="0" i="0" dirty="0">
-                <a:solidFill>
-                  <a:schemeClr val="bg1"/>
-                </a:solidFill>
-                <a:effectLst/>
-                <a:latin typeface="Roboto" panose="02000000000000000000" pitchFamily="2" charset="0"/>
-              </a:rPr>
-              <a:t> </a:t>
-            </a:r>
-            <a:r>
-              <a:rPr lang="en-GB" b="0" i="0" dirty="0" err="1">
-                <a:solidFill>
-                  <a:schemeClr val="bg1"/>
-                </a:solidFill>
-                <a:effectLst/>
-                <a:latin typeface="Roboto" panose="02000000000000000000" pitchFamily="2" charset="0"/>
-              </a:rPr>
-              <a:t>baltic</a:t>
-            </a:r>
-            <a:r>
-              <a:rPr lang="en-GB" b="0" i="0" dirty="0">
-                <a:solidFill>
-                  <a:schemeClr val="bg1"/>
-                </a:solidFill>
-                <a:effectLst/>
-                <a:latin typeface="Roboto" panose="02000000000000000000" pitchFamily="2" charset="0"/>
-              </a:rPr>
-              <a:t> internships </a:t>
-            </a:r>
-            <a:r>
-              <a:rPr lang="en-GB" b="0" i="0" dirty="0" err="1">
-                <a:solidFill>
-                  <a:schemeClr val="bg1"/>
-                </a:solidFill>
-                <a:effectLst/>
-                <a:latin typeface="Roboto" panose="02000000000000000000" pitchFamily="2" charset="0"/>
-              </a:rPr>
-              <a:t>arba</a:t>
-            </a:r>
-            <a:r>
-              <a:rPr lang="en-GB" b="0" i="0" dirty="0">
-                <a:solidFill>
-                  <a:schemeClr val="bg1"/>
-                </a:solidFill>
-                <a:effectLst/>
-                <a:latin typeface="Roboto" panose="02000000000000000000" pitchFamily="2" charset="0"/>
-              </a:rPr>
-              <a:t> mano </a:t>
-            </a:r>
-            <a:r>
-              <a:rPr lang="en-GB" b="0" i="0" dirty="0" err="1">
-                <a:solidFill>
-                  <a:schemeClr val="bg1"/>
-                </a:solidFill>
-                <a:effectLst/>
-                <a:latin typeface="Roboto" panose="02000000000000000000" pitchFamily="2" charset="0"/>
-              </a:rPr>
-              <a:t>puslapi</a:t>
-            </a:r>
-            <a:r>
-              <a:rPr lang="en-GB" b="0" i="0" dirty="0">
-                <a:solidFill>
-                  <a:schemeClr val="bg1"/>
-                </a:solidFill>
-                <a:effectLst/>
-                <a:latin typeface="Roboto" panose="02000000000000000000" pitchFamily="2" charset="0"/>
-              </a:rPr>
-              <a:t> </a:t>
-            </a:r>
-            <a:r>
-              <a:rPr lang="en-GB" b="0" i="0" dirty="0" err="1">
-                <a:solidFill>
-                  <a:schemeClr val="bg1"/>
-                </a:solidFill>
-                <a:effectLst/>
-                <a:latin typeface="Roboto" panose="02000000000000000000" pitchFamily="2" charset="0"/>
-              </a:rPr>
-              <a:t>kur</a:t>
-            </a:r>
-            <a:r>
-              <a:rPr lang="en-GB" b="0" i="0" dirty="0">
-                <a:solidFill>
-                  <a:schemeClr val="bg1"/>
-                </a:solidFill>
-                <a:effectLst/>
-                <a:latin typeface="Roboto" panose="02000000000000000000" pitchFamily="2" charset="0"/>
-              </a:rPr>
-              <a:t> </a:t>
-            </a:r>
-            <a:r>
-              <a:rPr lang="en-GB" b="0" i="0" dirty="0" err="1">
-                <a:solidFill>
-                  <a:schemeClr val="bg1"/>
-                </a:solidFill>
-                <a:effectLst/>
-                <a:latin typeface="Roboto" panose="02000000000000000000" pitchFamily="2" charset="0"/>
-              </a:rPr>
-              <a:t>papildoma</a:t>
-            </a:r>
-            <a:r>
-              <a:rPr lang="en-GB" b="0" i="0" dirty="0">
-                <a:solidFill>
-                  <a:schemeClr val="bg1"/>
-                </a:solidFill>
-                <a:effectLst/>
-                <a:latin typeface="Roboto" panose="02000000000000000000" pitchFamily="2" charset="0"/>
-              </a:rPr>
-              <a:t> </a:t>
-            </a:r>
-            <a:r>
-              <a:rPr lang="en-GB" b="0" i="0" dirty="0" err="1">
-                <a:solidFill>
-                  <a:schemeClr val="bg1"/>
-                </a:solidFill>
-                <a:effectLst/>
-                <a:latin typeface="Roboto" panose="02000000000000000000" pitchFamily="2" charset="0"/>
-              </a:rPr>
-              <a:t>medziaga</a:t>
-            </a:r>
-            <a:r>
-              <a:rPr lang="en-GB" b="0" i="0" dirty="0">
-                <a:solidFill>
-                  <a:schemeClr val="bg1"/>
-                </a:solidFill>
-                <a:effectLst/>
-                <a:latin typeface="Roboto" panose="02000000000000000000" pitchFamily="2" charset="0"/>
-              </a:rPr>
-              <a:t> bus </a:t>
-            </a:r>
-            <a:r>
-              <a:rPr lang="en-GB" b="0" i="0" dirty="0" err="1">
-                <a:solidFill>
-                  <a:schemeClr val="bg1"/>
-                </a:solidFill>
-                <a:effectLst/>
-                <a:latin typeface="Roboto" panose="02000000000000000000" pitchFamily="2" charset="0"/>
-              </a:rPr>
-              <a:t>duota</a:t>
-            </a:r>
-            <a:r>
-              <a:rPr lang="en-GB" b="0" i="0" dirty="0">
-                <a:solidFill>
-                  <a:schemeClr val="bg1"/>
-                </a:solidFill>
-                <a:effectLst/>
-                <a:latin typeface="Roboto" panose="02000000000000000000" pitchFamily="2" charset="0"/>
-              </a:rPr>
-              <a:t>.</a:t>
-            </a:r>
-          </a:p>
-          <a:p>
-            <a:pPr algn="l"/>
-            <a:endParaRPr lang="en-GB" b="0" i="0" dirty="0">
-              <a:solidFill>
-                <a:schemeClr val="bg1"/>
-              </a:solidFill>
-              <a:effectLst/>
-              <a:latin typeface="Roboto" panose="02000000000000000000" pitchFamily="2" charset="0"/>
-            </a:endParaRPr>
-          </a:p>
-          <a:p>
             <a:pPr marL="0" marR="0" lvl="0" indent="0" algn="l" defTabSz="914400" rtl="0" eaLnBrk="1" fontAlgn="auto" latinLnBrk="0" hangingPunct="1">
               <a:lnSpc>
                 <a:spcPct val="100000"/>
@@ -2983,75 +2220,40 @@
               <a:defRPr/>
             </a:pPr>
             <a:r>
-              <a:rPr lang="lt-LT" b="0" i="0" dirty="0">
-                <a:solidFill>
-                  <a:srgbClr val="374151"/>
-                </a:solidFill>
-                <a:effectLst/>
-                <a:latin typeface="Söhne"/>
-              </a:rPr>
-              <a:t>Dabar, kai jūs žinote, kaip panaudoti šį įrankį </a:t>
-            </a:r>
-            <a:r>
-              <a:rPr lang="lt-LT" b="0" i="0" dirty="0" err="1">
-                <a:solidFill>
-                  <a:srgbClr val="374151"/>
-                </a:solidFill>
-                <a:effectLst/>
-                <a:latin typeface="Söhne"/>
-              </a:rPr>
-              <a:t>teoriska</a:t>
-            </a:r>
-            <a:r>
-              <a:rPr lang="lt-LT" b="0" i="0" dirty="0">
-                <a:solidFill>
-                  <a:srgbClr val="374151"/>
-                </a:solidFill>
-                <a:effectLst/>
-                <a:latin typeface="Söhne"/>
-              </a:rPr>
-              <a:t>, laikas pradėti kurti ir dalintis savo nuostabiais darbais su pasauliu po </a:t>
-            </a:r>
-            <a:r>
-              <a:rPr lang="lt-LT" b="0" i="0" dirty="0" err="1">
-                <a:solidFill>
-                  <a:srgbClr val="374151"/>
-                </a:solidFill>
-                <a:effectLst/>
-                <a:latin typeface="Söhne"/>
-              </a:rPr>
-              <a:t>pmatyto</a:t>
-            </a:r>
-            <a:r>
-              <a:rPr lang="lt-LT" b="0" i="0" dirty="0">
-                <a:solidFill>
-                  <a:srgbClr val="374151"/>
-                </a:solidFill>
-                <a:effectLst/>
-                <a:latin typeface="Söhne"/>
-              </a:rPr>
-              <a:t> </a:t>
-            </a:r>
-            <a:r>
-              <a:rPr lang="lt-LT" b="0" i="0" dirty="0" err="1">
-                <a:solidFill>
-                  <a:srgbClr val="374151"/>
-                </a:solidFill>
-                <a:effectLst/>
-                <a:latin typeface="Söhne"/>
-              </a:rPr>
-              <a:t>recordinimo</a:t>
-            </a:r>
-            <a:r>
-              <a:rPr lang="lt-LT" b="0" i="0" dirty="0">
-                <a:solidFill>
-                  <a:srgbClr val="374151"/>
-                </a:solidFill>
-                <a:effectLst/>
-                <a:latin typeface="Söhne"/>
-              </a:rPr>
-              <a:t>!</a:t>
-            </a:r>
+              <a:rPr lang="en-US" b="0" i="0" dirty="0">
+                <a:solidFill>
+                  <a:schemeClr val="bg1"/>
+                </a:solidFill>
+                <a:effectLst/>
+                <a:latin typeface="Roboto" panose="02000000000000000000" pitchFamily="2" charset="0"/>
+              </a:rPr>
+              <a:t>[EN] </a:t>
+            </a:r>
+            <a:r>
+              <a:rPr lang="en-GB" b="0" i="0" dirty="0">
+                <a:solidFill>
+                  <a:schemeClr val="bg1"/>
+                </a:solidFill>
+                <a:effectLst/>
+                <a:latin typeface="Roboto" panose="02000000000000000000" pitchFamily="2" charset="0"/>
+              </a:rPr>
+              <a:t>Azure Machine Learning Designer allows users to implement machine learning workloads without coding by using a drag and drop interface, and it provides various tools and features to create, train, and evaluate machine learning models.</a:t>
+            </a:r>
+            <a:endParaRPr lang="en-LV">
+              <a:solidFill>
+                <a:schemeClr val="bg1"/>
+              </a:solidFill>
+            </a:endParaRPr>
+          </a:p>
+          <a:p>
+            <a:pPr algn="l"/>
+            <a:endParaRPr lang="lt-LT" b="0" i="0" dirty="0">
+              <a:solidFill>
+                <a:srgbClr val="374151"/>
+              </a:solidFill>
+              <a:effectLst/>
+              <a:latin typeface="Söhne"/>
+            </a:endParaRPr>
           </a:p>
           <a:p>
             <a:pPr algn="l"/>
@@ -3147,14 +2349,872 @@
           <a:p>
             <a:pPr algn="l"/>
             <a:r>
-              <a:rPr lang="en-GB" b="1" dirty="0">
-                <a:effectLst/>
-              </a:rPr>
-              <a:t>Summary</a:t>
+              <a:rPr lang="en-GB" b="0" i="0" dirty="0">
+                <a:solidFill>
+                  <a:schemeClr val="bg1"/>
+                </a:solidFill>
+                <a:effectLst/>
+                <a:latin typeface="Roboto" panose="02000000000000000000" pitchFamily="2" charset="0"/>
+              </a:rPr>
+              <a:t>O </a:t>
+            </a:r>
+            <a:r>
+              <a:rPr lang="en-GB" b="0" i="0" dirty="0" err="1">
+                <a:solidFill>
+                  <a:schemeClr val="bg1"/>
+                </a:solidFill>
+                <a:effectLst/>
+                <a:latin typeface="Roboto" panose="02000000000000000000" pitchFamily="2" charset="0"/>
+              </a:rPr>
+              <a:t>dabar</a:t>
+            </a:r>
+            <a:r>
+              <a:rPr lang="en-GB" b="0" i="0" dirty="0">
+                <a:solidFill>
+                  <a:schemeClr val="bg1"/>
+                </a:solidFill>
+                <a:effectLst/>
+                <a:latin typeface="Roboto" panose="02000000000000000000" pitchFamily="2" charset="0"/>
+              </a:rPr>
+              <a:t> </a:t>
+            </a:r>
+            <a:r>
+              <a:rPr lang="en-GB" b="0" i="0" dirty="0" err="1">
+                <a:solidFill>
+                  <a:schemeClr val="bg1"/>
+                </a:solidFill>
+                <a:effectLst/>
+                <a:latin typeface="Roboto" panose="02000000000000000000" pitchFamily="2" charset="0"/>
+              </a:rPr>
+              <a:t>teorija</a:t>
+            </a:r>
+            <a:r>
+              <a:rPr lang="en-GB" b="0" i="0" dirty="0">
+                <a:solidFill>
+                  <a:schemeClr val="bg1"/>
+                </a:solidFill>
+                <a:effectLst/>
+                <a:latin typeface="Roboto" panose="02000000000000000000" pitchFamily="2" charset="0"/>
+              </a:rPr>
+              <a:t> </a:t>
+            </a:r>
+            <a:r>
+              <a:rPr lang="en-GB" b="0" i="0" dirty="0" err="1">
+                <a:solidFill>
+                  <a:schemeClr val="bg1"/>
+                </a:solidFill>
+                <a:effectLst/>
+                <a:latin typeface="Roboto" panose="02000000000000000000" pitchFamily="2" charset="0"/>
+              </a:rPr>
+              <a:t>baigta</a:t>
+            </a:r>
+            <a:r>
+              <a:rPr lang="en-GB" b="0" i="0" dirty="0">
+                <a:solidFill>
+                  <a:schemeClr val="bg1"/>
+                </a:solidFill>
+                <a:effectLst/>
+                <a:latin typeface="Roboto" panose="02000000000000000000" pitchFamily="2" charset="0"/>
+              </a:rPr>
+              <a:t> </a:t>
+            </a:r>
+            <a:r>
+              <a:rPr lang="en-GB" b="0" i="0" dirty="0" err="1">
+                <a:solidFill>
+                  <a:schemeClr val="bg1"/>
+                </a:solidFill>
+                <a:effectLst/>
+                <a:latin typeface="Roboto" panose="02000000000000000000" pitchFamily="2" charset="0"/>
+              </a:rPr>
+              <a:t>ir</a:t>
+            </a:r>
+            <a:r>
+              <a:rPr lang="en-GB" b="0" i="0" dirty="0">
+                <a:solidFill>
+                  <a:schemeClr val="bg1"/>
+                </a:solidFill>
+                <a:effectLst/>
+                <a:latin typeface="Roboto" panose="02000000000000000000" pitchFamily="2" charset="0"/>
+              </a:rPr>
+              <a:t> </a:t>
+            </a:r>
+            <a:r>
+              <a:rPr lang="en-GB" b="0" i="0" dirty="0" err="1">
+                <a:solidFill>
+                  <a:schemeClr val="bg1"/>
+                </a:solidFill>
+                <a:effectLst/>
+                <a:latin typeface="Roboto" panose="02000000000000000000" pitchFamily="2" charset="0"/>
+              </a:rPr>
+              <a:t>mes</a:t>
+            </a:r>
+            <a:r>
+              <a:rPr lang="en-GB" b="0" i="0" dirty="0">
+                <a:solidFill>
+                  <a:schemeClr val="bg1"/>
+                </a:solidFill>
+                <a:effectLst/>
+                <a:latin typeface="Roboto" panose="02000000000000000000" pitchFamily="2" charset="0"/>
+              </a:rPr>
+              <a:t> </a:t>
+            </a:r>
+            <a:r>
+              <a:rPr lang="en-GB" b="0" i="0" dirty="0" err="1">
+                <a:solidFill>
+                  <a:schemeClr val="bg1"/>
+                </a:solidFill>
+                <a:effectLst/>
+                <a:latin typeface="Roboto" panose="02000000000000000000" pitchFamily="2" charset="0"/>
+              </a:rPr>
+              <a:t>paziuresime</a:t>
+            </a:r>
+            <a:r>
+              <a:rPr lang="en-GB" b="0" i="0" dirty="0">
+                <a:solidFill>
+                  <a:schemeClr val="bg1"/>
+                </a:solidFill>
+                <a:effectLst/>
+                <a:latin typeface="Roboto" panose="02000000000000000000" pitchFamily="2" charset="0"/>
+              </a:rPr>
+              <a:t> </a:t>
+            </a:r>
+            <a:r>
+              <a:rPr lang="en-GB" b="0" i="0" dirty="0" err="1">
+                <a:solidFill>
+                  <a:schemeClr val="bg1"/>
+                </a:solidFill>
+                <a:effectLst/>
+                <a:latin typeface="Roboto" panose="02000000000000000000" pitchFamily="2" charset="0"/>
+              </a:rPr>
+              <a:t>recordinima</a:t>
+            </a:r>
+            <a:r>
+              <a:rPr lang="en-GB" b="0" i="0" dirty="0">
+                <a:solidFill>
+                  <a:schemeClr val="bg1"/>
+                </a:solidFill>
+                <a:effectLst/>
+                <a:latin typeface="Roboto" panose="02000000000000000000" pitchFamily="2" charset="0"/>
+              </a:rPr>
+              <a:t> </a:t>
+            </a:r>
+            <a:r>
+              <a:rPr lang="en-GB" b="0" i="0" dirty="0" err="1">
+                <a:solidFill>
+                  <a:schemeClr val="bg1"/>
+                </a:solidFill>
+                <a:effectLst/>
+                <a:latin typeface="Roboto" panose="02000000000000000000" pitchFamily="2" charset="0"/>
+              </a:rPr>
+              <a:t>kaip</a:t>
+            </a:r>
+            <a:r>
+              <a:rPr lang="en-GB" b="0" i="0" dirty="0">
+                <a:solidFill>
+                  <a:schemeClr val="bg1"/>
+                </a:solidFill>
+                <a:effectLst/>
+                <a:latin typeface="Roboto" panose="02000000000000000000" pitchFamily="2" charset="0"/>
+              </a:rPr>
+              <a:t> </a:t>
+            </a:r>
+            <a:r>
+              <a:rPr lang="en-GB" b="0" i="0" dirty="0" err="1">
+                <a:solidFill>
+                  <a:schemeClr val="bg1"/>
+                </a:solidFill>
+                <a:effectLst/>
+                <a:latin typeface="Roboto" panose="02000000000000000000" pitchFamily="2" charset="0"/>
+              </a:rPr>
+              <a:t>viskas</a:t>
+            </a:r>
+            <a:r>
+              <a:rPr lang="en-GB" b="0" i="0" dirty="0">
+                <a:solidFill>
+                  <a:schemeClr val="bg1"/>
+                </a:solidFill>
+                <a:effectLst/>
+                <a:latin typeface="Roboto" panose="02000000000000000000" pitchFamily="2" charset="0"/>
+              </a:rPr>
+              <a:t> </a:t>
+            </a:r>
+            <a:r>
+              <a:rPr lang="en-GB" b="0" i="0" dirty="0" err="1">
+                <a:solidFill>
+                  <a:schemeClr val="bg1"/>
+                </a:solidFill>
+                <a:effectLst/>
+                <a:latin typeface="Roboto" panose="02000000000000000000" pitchFamily="2" charset="0"/>
+              </a:rPr>
+              <a:t>apie</a:t>
+            </a:r>
+            <a:r>
+              <a:rPr lang="en-GB" b="0" i="0" dirty="0">
+                <a:solidFill>
+                  <a:schemeClr val="bg1"/>
+                </a:solidFill>
+                <a:effectLst/>
+                <a:latin typeface="Roboto" panose="02000000000000000000" pitchFamily="2" charset="0"/>
+              </a:rPr>
+              <a:t> ka </a:t>
+            </a:r>
+            <a:r>
+              <a:rPr lang="en-GB" b="0" i="0" dirty="0" err="1">
+                <a:solidFill>
+                  <a:schemeClr val="bg1"/>
+                </a:solidFill>
+                <a:effectLst/>
+                <a:latin typeface="Roboto" panose="02000000000000000000" pitchFamily="2" charset="0"/>
+              </a:rPr>
+              <a:t>snekejau</a:t>
+            </a:r>
+            <a:r>
+              <a:rPr lang="en-GB" b="0" i="0" dirty="0">
+                <a:solidFill>
+                  <a:schemeClr val="bg1"/>
+                </a:solidFill>
+                <a:effectLst/>
+                <a:latin typeface="Roboto" panose="02000000000000000000" pitchFamily="2" charset="0"/>
+              </a:rPr>
+              <a:t> </a:t>
+            </a:r>
+            <a:r>
+              <a:rPr lang="en-GB" b="0" i="0" dirty="0" err="1">
+                <a:solidFill>
+                  <a:schemeClr val="bg1"/>
+                </a:solidFill>
+                <a:effectLst/>
+                <a:latin typeface="Roboto" panose="02000000000000000000" pitchFamily="2" charset="0"/>
+              </a:rPr>
+              <a:t>atrodys</a:t>
+            </a:r>
+            <a:r>
+              <a:rPr lang="en-GB" b="0" i="0" dirty="0">
+                <a:solidFill>
+                  <a:schemeClr val="bg1"/>
+                </a:solidFill>
+                <a:effectLst/>
+                <a:latin typeface="Roboto" panose="02000000000000000000" pitchFamily="2" charset="0"/>
+              </a:rPr>
+              <a:t> </a:t>
+            </a:r>
+            <a:r>
+              <a:rPr lang="en-GB" b="0" i="0" dirty="0" err="1">
+                <a:solidFill>
+                  <a:schemeClr val="bg1"/>
+                </a:solidFill>
+                <a:effectLst/>
+                <a:latin typeface="Roboto" panose="02000000000000000000" pitchFamily="2" charset="0"/>
+              </a:rPr>
+              <a:t>ir</a:t>
+            </a:r>
+            <a:r>
+              <a:rPr lang="en-GB" b="0" i="0" dirty="0">
+                <a:solidFill>
+                  <a:schemeClr val="bg1"/>
+                </a:solidFill>
+                <a:effectLst/>
+                <a:latin typeface="Roboto" panose="02000000000000000000" pitchFamily="2" charset="0"/>
+              </a:rPr>
+              <a:t> </a:t>
+            </a:r>
+            <a:r>
+              <a:rPr lang="en-GB" b="0" i="0" dirty="0" err="1">
+                <a:solidFill>
+                  <a:schemeClr val="bg1"/>
+                </a:solidFill>
+                <a:effectLst/>
+                <a:latin typeface="Roboto" panose="02000000000000000000" pitchFamily="2" charset="0"/>
+              </a:rPr>
+              <a:t>galbut</a:t>
+            </a:r>
+            <a:r>
+              <a:rPr lang="en-GB" b="0" i="0" dirty="0">
+                <a:solidFill>
+                  <a:schemeClr val="bg1"/>
+                </a:solidFill>
+                <a:effectLst/>
+                <a:latin typeface="Roboto" panose="02000000000000000000" pitchFamily="2" charset="0"/>
+              </a:rPr>
+              <a:t> </a:t>
+            </a:r>
+            <a:r>
+              <a:rPr lang="en-GB" b="0" i="0" dirty="0" err="1">
+                <a:solidFill>
+                  <a:schemeClr val="bg1"/>
+                </a:solidFill>
+                <a:effectLst/>
+                <a:latin typeface="Roboto" panose="02000000000000000000" pitchFamily="2" charset="0"/>
+              </a:rPr>
+              <a:t>jei</a:t>
+            </a:r>
+            <a:r>
+              <a:rPr lang="en-GB" b="0" i="0" dirty="0">
+                <a:solidFill>
+                  <a:schemeClr val="bg1"/>
+                </a:solidFill>
+                <a:effectLst/>
+                <a:latin typeface="Roboto" panose="02000000000000000000" pitchFamily="2" charset="0"/>
+              </a:rPr>
+              <a:t> </a:t>
+            </a:r>
+            <a:r>
+              <a:rPr lang="en-GB" b="0" i="0" dirty="0" err="1">
+                <a:solidFill>
+                  <a:schemeClr val="bg1"/>
+                </a:solidFill>
+                <a:effectLst/>
+                <a:latin typeface="Roboto" panose="02000000000000000000" pitchFamily="2" charset="0"/>
+              </a:rPr>
+              <a:t>turesime</a:t>
+            </a:r>
+            <a:r>
+              <a:rPr lang="en-GB" b="0" i="0" dirty="0">
+                <a:solidFill>
+                  <a:schemeClr val="bg1"/>
+                </a:solidFill>
+                <a:effectLst/>
+                <a:latin typeface="Roboto" panose="02000000000000000000" pitchFamily="2" charset="0"/>
+              </a:rPr>
+              <a:t> </a:t>
+            </a:r>
+            <a:r>
+              <a:rPr lang="en-GB" b="0" i="0" dirty="0" err="1">
+                <a:solidFill>
+                  <a:schemeClr val="bg1"/>
+                </a:solidFill>
+                <a:effectLst/>
+                <a:latin typeface="Roboto" panose="02000000000000000000" pitchFamily="2" charset="0"/>
+              </a:rPr>
+              <a:t>paziuresime</a:t>
+            </a:r>
+            <a:r>
+              <a:rPr lang="en-GB" b="0" i="0" dirty="0">
+                <a:solidFill>
+                  <a:schemeClr val="bg1"/>
+                </a:solidFill>
+                <a:effectLst/>
+                <a:latin typeface="Roboto" panose="02000000000000000000" pitchFamily="2" charset="0"/>
+              </a:rPr>
+              <a:t> </a:t>
+            </a:r>
+            <a:r>
+              <a:rPr lang="en-GB" b="0" i="0" dirty="0" err="1">
+                <a:solidFill>
+                  <a:schemeClr val="bg1"/>
+                </a:solidFill>
+                <a:effectLst/>
+                <a:latin typeface="Roboto" panose="02000000000000000000" pitchFamily="2" charset="0"/>
+              </a:rPr>
+              <a:t>dar</a:t>
+            </a:r>
+            <a:r>
+              <a:rPr lang="en-GB" b="0" i="0" dirty="0">
+                <a:solidFill>
+                  <a:schemeClr val="bg1"/>
+                </a:solidFill>
+                <a:effectLst/>
+                <a:latin typeface="Roboto" panose="02000000000000000000" pitchFamily="2" charset="0"/>
+              </a:rPr>
+              <a:t> </a:t>
+            </a:r>
+            <a:r>
+              <a:rPr lang="en-GB" b="0" i="0" dirty="0" err="1">
+                <a:solidFill>
+                  <a:schemeClr val="bg1"/>
+                </a:solidFill>
+                <a:effectLst/>
+                <a:latin typeface="Roboto" panose="02000000000000000000" pitchFamily="2" charset="0"/>
+              </a:rPr>
+              <a:t>viena</a:t>
+            </a:r>
+            <a:r>
+              <a:rPr lang="en-GB" b="0" i="0" dirty="0">
+                <a:solidFill>
+                  <a:schemeClr val="bg1"/>
+                </a:solidFill>
+                <a:effectLst/>
+                <a:latin typeface="Roboto" panose="02000000000000000000" pitchFamily="2" charset="0"/>
+              </a:rPr>
+              <a:t> video </a:t>
+            </a:r>
+            <a:r>
+              <a:rPr lang="en-GB" b="0" i="0" dirty="0" err="1">
+                <a:solidFill>
+                  <a:schemeClr val="bg1"/>
+                </a:solidFill>
+                <a:effectLst/>
+                <a:latin typeface="Roboto" panose="02000000000000000000" pitchFamily="2" charset="0"/>
+              </a:rPr>
+              <a:t>kuris</a:t>
+            </a:r>
+            <a:r>
+              <a:rPr lang="en-GB" b="0" i="0" dirty="0">
+                <a:solidFill>
+                  <a:schemeClr val="bg1"/>
+                </a:solidFill>
+                <a:effectLst/>
+                <a:latin typeface="Roboto" panose="02000000000000000000" pitchFamily="2" charset="0"/>
+              </a:rPr>
+              <a:t> </a:t>
+            </a:r>
+            <a:r>
+              <a:rPr lang="en-GB" b="0" i="0" dirty="0" err="1">
+                <a:solidFill>
+                  <a:schemeClr val="bg1"/>
+                </a:solidFill>
+                <a:effectLst/>
+                <a:latin typeface="Roboto" panose="02000000000000000000" pitchFamily="2" charset="0"/>
+              </a:rPr>
+              <a:t>glaustai</a:t>
+            </a:r>
+            <a:r>
+              <a:rPr lang="en-GB" b="0" i="0" dirty="0">
+                <a:solidFill>
+                  <a:schemeClr val="bg1"/>
+                </a:solidFill>
+                <a:effectLst/>
+                <a:latin typeface="Roboto" panose="02000000000000000000" pitchFamily="2" charset="0"/>
+              </a:rPr>
+              <a:t> </a:t>
+            </a:r>
+            <a:r>
+              <a:rPr lang="en-GB" b="0" i="0" dirty="0" err="1">
+                <a:solidFill>
+                  <a:schemeClr val="bg1"/>
+                </a:solidFill>
+                <a:effectLst/>
+                <a:latin typeface="Roboto" panose="02000000000000000000" pitchFamily="2" charset="0"/>
+              </a:rPr>
+              <a:t>parodo</a:t>
+            </a:r>
+            <a:r>
+              <a:rPr lang="en-GB" b="0" i="0" dirty="0">
+                <a:solidFill>
+                  <a:schemeClr val="bg1"/>
+                </a:solidFill>
+                <a:effectLst/>
+                <a:latin typeface="Roboto" panose="02000000000000000000" pitchFamily="2" charset="0"/>
+              </a:rPr>
+              <a:t> </a:t>
+            </a:r>
+            <a:r>
+              <a:rPr lang="en-GB" b="0" i="0" dirty="0" err="1">
+                <a:solidFill>
+                  <a:schemeClr val="bg1"/>
+                </a:solidFill>
+                <a:effectLst/>
+                <a:latin typeface="Roboto" panose="02000000000000000000" pitchFamily="2" charset="0"/>
+              </a:rPr>
+              <a:t>kaip</a:t>
+            </a:r>
+            <a:r>
+              <a:rPr lang="en-GB" b="0" i="0" dirty="0">
+                <a:solidFill>
+                  <a:schemeClr val="bg1"/>
+                </a:solidFill>
+                <a:effectLst/>
+                <a:latin typeface="Roboto" panose="02000000000000000000" pitchFamily="2" charset="0"/>
+              </a:rPr>
+              <a:t> </a:t>
+            </a:r>
+            <a:r>
+              <a:rPr lang="en-GB" b="0" i="0" dirty="0" err="1">
+                <a:solidFill>
+                  <a:schemeClr val="bg1"/>
+                </a:solidFill>
+                <a:effectLst/>
+                <a:latin typeface="Roboto" panose="02000000000000000000" pitchFamily="2" charset="0"/>
+              </a:rPr>
+              <a:t>naudoti</a:t>
+            </a:r>
+            <a:r>
+              <a:rPr lang="en-GB" b="0" i="0" dirty="0">
+                <a:solidFill>
+                  <a:schemeClr val="bg1"/>
+                </a:solidFill>
+                <a:effectLst/>
+                <a:latin typeface="Roboto" panose="02000000000000000000" pitchFamily="2" charset="0"/>
+              </a:rPr>
+              <a:t> </a:t>
+            </a:r>
+            <a:r>
+              <a:rPr lang="en-GB" b="0" i="0" dirty="0" err="1">
+                <a:solidFill>
+                  <a:schemeClr val="bg1"/>
+                </a:solidFill>
+                <a:effectLst/>
+                <a:latin typeface="Roboto" panose="02000000000000000000" pitchFamily="2" charset="0"/>
+              </a:rPr>
+              <a:t>Designer’i</a:t>
+            </a:r>
+            <a:r>
+              <a:rPr lang="en-GB" b="0" i="0" dirty="0">
+                <a:solidFill>
+                  <a:schemeClr val="bg1"/>
+                </a:solidFill>
+                <a:effectLst/>
+                <a:latin typeface="Roboto" panose="02000000000000000000" pitchFamily="2" charset="0"/>
+              </a:rPr>
+              <a:t>, o </a:t>
+            </a:r>
+            <a:r>
+              <a:rPr lang="en-GB" b="0" i="0" dirty="0" err="1">
+                <a:solidFill>
+                  <a:schemeClr val="bg1"/>
+                </a:solidFill>
+                <a:effectLst/>
+                <a:latin typeface="Roboto" panose="02000000000000000000" pitchFamily="2" charset="0"/>
+              </a:rPr>
+              <a:t>jei</a:t>
+            </a:r>
+            <a:r>
+              <a:rPr lang="en-GB" b="0" i="0" dirty="0">
+                <a:solidFill>
+                  <a:schemeClr val="bg1"/>
+                </a:solidFill>
+                <a:effectLst/>
+                <a:latin typeface="Roboto" panose="02000000000000000000" pitchFamily="2" charset="0"/>
+              </a:rPr>
+              <a:t> </a:t>
+            </a:r>
+            <a:r>
+              <a:rPr lang="en-GB" b="0" i="0" dirty="0" err="1">
+                <a:solidFill>
+                  <a:schemeClr val="bg1"/>
+                </a:solidFill>
+                <a:effectLst/>
+                <a:latin typeface="Roboto" panose="02000000000000000000" pitchFamily="2" charset="0"/>
+              </a:rPr>
+              <a:t>nespesime</a:t>
+            </a:r>
+            <a:r>
+              <a:rPr lang="en-GB" b="0" i="0" dirty="0">
+                <a:solidFill>
+                  <a:schemeClr val="bg1"/>
+                </a:solidFill>
+                <a:effectLst/>
+                <a:latin typeface="Roboto" panose="02000000000000000000" pitchFamily="2" charset="0"/>
+              </a:rPr>
+              <a:t> </a:t>
+            </a:r>
+            <a:r>
+              <a:rPr lang="en-GB" b="0" i="0" dirty="0" err="1">
+                <a:solidFill>
+                  <a:schemeClr val="bg1"/>
+                </a:solidFill>
+                <a:effectLst/>
+                <a:latin typeface="Roboto" panose="02000000000000000000" pitchFamily="2" charset="0"/>
+              </a:rPr>
+              <a:t>siandien</a:t>
+            </a:r>
+            <a:r>
+              <a:rPr lang="en-GB" b="0" i="0" dirty="0">
+                <a:solidFill>
+                  <a:schemeClr val="bg1"/>
+                </a:solidFill>
+                <a:effectLst/>
+                <a:latin typeface="Roboto" panose="02000000000000000000" pitchFamily="2" charset="0"/>
+              </a:rPr>
+              <a:t> – tai </a:t>
+            </a:r>
+            <a:r>
+              <a:rPr lang="en-GB" b="0" i="0" dirty="0" err="1">
+                <a:solidFill>
+                  <a:schemeClr val="bg1"/>
+                </a:solidFill>
+                <a:effectLst/>
+                <a:latin typeface="Roboto" panose="02000000000000000000" pitchFamily="2" charset="0"/>
+              </a:rPr>
+              <a:t>nueikite</a:t>
+            </a:r>
+            <a:r>
+              <a:rPr lang="en-GB" b="0" i="0" dirty="0">
+                <a:solidFill>
+                  <a:schemeClr val="bg1"/>
+                </a:solidFill>
+                <a:effectLst/>
+                <a:latin typeface="Roboto" panose="02000000000000000000" pitchFamily="2" charset="0"/>
+              </a:rPr>
+              <a:t> </a:t>
+            </a:r>
+            <a:r>
+              <a:rPr lang="en-GB" b="0" i="0" dirty="0" err="1">
+                <a:solidFill>
+                  <a:schemeClr val="bg1"/>
+                </a:solidFill>
+                <a:effectLst/>
+                <a:latin typeface="Roboto" panose="02000000000000000000" pitchFamily="2" charset="0"/>
+              </a:rPr>
+              <a:t>i</a:t>
+            </a:r>
+            <a:r>
+              <a:rPr lang="en-GB" b="0" i="0" dirty="0">
+                <a:solidFill>
+                  <a:schemeClr val="bg1"/>
+                </a:solidFill>
+                <a:effectLst/>
+                <a:latin typeface="Roboto" panose="02000000000000000000" pitchFamily="2" charset="0"/>
+              </a:rPr>
+              <a:t> </a:t>
+            </a:r>
+            <a:r>
+              <a:rPr lang="en-GB" b="0" i="0" dirty="0" err="1">
+                <a:solidFill>
+                  <a:schemeClr val="bg1"/>
+                </a:solidFill>
+                <a:effectLst/>
+                <a:latin typeface="Roboto" panose="02000000000000000000" pitchFamily="2" charset="0"/>
+              </a:rPr>
+              <a:t>baltic</a:t>
+            </a:r>
+            <a:r>
+              <a:rPr lang="en-GB" b="0" i="0" dirty="0">
+                <a:solidFill>
+                  <a:schemeClr val="bg1"/>
+                </a:solidFill>
+                <a:effectLst/>
+                <a:latin typeface="Roboto" panose="02000000000000000000" pitchFamily="2" charset="0"/>
+              </a:rPr>
+              <a:t> internships </a:t>
+            </a:r>
+            <a:r>
+              <a:rPr lang="en-GB" b="0" i="0" dirty="0" err="1">
+                <a:solidFill>
+                  <a:schemeClr val="bg1"/>
+                </a:solidFill>
+                <a:effectLst/>
+                <a:latin typeface="Roboto" panose="02000000000000000000" pitchFamily="2" charset="0"/>
+              </a:rPr>
+              <a:t>arba</a:t>
+            </a:r>
+            <a:r>
+              <a:rPr lang="en-GB" b="0" i="0" dirty="0">
+                <a:solidFill>
+                  <a:schemeClr val="bg1"/>
+                </a:solidFill>
+                <a:effectLst/>
+                <a:latin typeface="Roboto" panose="02000000000000000000" pitchFamily="2" charset="0"/>
+              </a:rPr>
+              <a:t> mano </a:t>
+            </a:r>
+            <a:r>
+              <a:rPr lang="en-GB" b="0" i="0" dirty="0" err="1">
+                <a:solidFill>
+                  <a:schemeClr val="bg1"/>
+                </a:solidFill>
+                <a:effectLst/>
+                <a:latin typeface="Roboto" panose="02000000000000000000" pitchFamily="2" charset="0"/>
+              </a:rPr>
+              <a:t>puslapi</a:t>
+            </a:r>
+            <a:r>
+              <a:rPr lang="en-GB" b="0" i="0" dirty="0">
+                <a:solidFill>
+                  <a:schemeClr val="bg1"/>
+                </a:solidFill>
+                <a:effectLst/>
+                <a:latin typeface="Roboto" panose="02000000000000000000" pitchFamily="2" charset="0"/>
+              </a:rPr>
+              <a:t> </a:t>
+            </a:r>
+            <a:r>
+              <a:rPr lang="en-GB" b="0" i="0" dirty="0" err="1">
+                <a:solidFill>
+                  <a:schemeClr val="bg1"/>
+                </a:solidFill>
+                <a:effectLst/>
+                <a:latin typeface="Roboto" panose="02000000000000000000" pitchFamily="2" charset="0"/>
+              </a:rPr>
+              <a:t>kur</a:t>
+            </a:r>
+            <a:r>
+              <a:rPr lang="en-GB" b="0" i="0" dirty="0">
+                <a:solidFill>
+                  <a:schemeClr val="bg1"/>
+                </a:solidFill>
+                <a:effectLst/>
+                <a:latin typeface="Roboto" panose="02000000000000000000" pitchFamily="2" charset="0"/>
+              </a:rPr>
+              <a:t> </a:t>
+            </a:r>
+            <a:r>
+              <a:rPr lang="en-GB" b="0" i="0" dirty="0" err="1">
+                <a:solidFill>
+                  <a:schemeClr val="bg1"/>
+                </a:solidFill>
+                <a:effectLst/>
+                <a:latin typeface="Roboto" panose="02000000000000000000" pitchFamily="2" charset="0"/>
+              </a:rPr>
+              <a:t>papildoma</a:t>
+            </a:r>
+            <a:r>
+              <a:rPr lang="en-GB" b="0" i="0" dirty="0">
+                <a:solidFill>
+                  <a:schemeClr val="bg1"/>
+                </a:solidFill>
+                <a:effectLst/>
+                <a:latin typeface="Roboto" panose="02000000000000000000" pitchFamily="2" charset="0"/>
+              </a:rPr>
+              <a:t> </a:t>
+            </a:r>
+            <a:r>
+              <a:rPr lang="en-GB" b="0" i="0" dirty="0" err="1">
+                <a:solidFill>
+                  <a:schemeClr val="bg1"/>
+                </a:solidFill>
+                <a:effectLst/>
+                <a:latin typeface="Roboto" panose="02000000000000000000" pitchFamily="2" charset="0"/>
+              </a:rPr>
+              <a:t>medziaga</a:t>
+            </a:r>
+            <a:r>
+              <a:rPr lang="en-GB" b="0" i="0" dirty="0">
+                <a:solidFill>
+                  <a:schemeClr val="bg1"/>
+                </a:solidFill>
+                <a:effectLst/>
+                <a:latin typeface="Roboto" panose="02000000000000000000" pitchFamily="2" charset="0"/>
+              </a:rPr>
+              <a:t> bus </a:t>
+            </a:r>
+            <a:r>
+              <a:rPr lang="en-GB" b="0" i="0" dirty="0" err="1">
+                <a:solidFill>
+                  <a:schemeClr val="bg1"/>
+                </a:solidFill>
+                <a:effectLst/>
+                <a:latin typeface="Roboto" panose="02000000000000000000" pitchFamily="2" charset="0"/>
+              </a:rPr>
+              <a:t>duota</a:t>
+            </a:r>
+            <a:r>
+              <a:rPr lang="en-GB" b="0" i="0" dirty="0">
+                <a:solidFill>
+                  <a:schemeClr val="bg1"/>
+                </a:solidFill>
+                <a:effectLst/>
+                <a:latin typeface="Roboto" panose="02000000000000000000" pitchFamily="2" charset="0"/>
+              </a:rPr>
+              <a:t>.</a:t>
             </a:r>
           </a:p>
           <a:p>
             <a:pPr algn="l"/>
+            <a:endParaRPr lang="en-GB" b="0" i="0" dirty="0">
+              <a:solidFill>
+                <a:schemeClr val="bg1"/>
+              </a:solidFill>
+              <a:effectLst/>
+              <a:latin typeface="Roboto" panose="02000000000000000000" pitchFamily="2" charset="0"/>
+            </a:endParaRPr>
+          </a:p>
+          <a:p>
+            <a:pPr marL="0" marR="0" lvl="0" indent="0" algn="l" defTabSz="914400" rtl="0" eaLnBrk="1" fontAlgn="auto" latinLnBrk="0" hangingPunct="1">
+              <a:lnSpc>
+                <a:spcPct val="100000"/>
+              </a:lnSpc>
+              <a:spcBef>
+                <a:spcPts val="0"/>
+              </a:spcBef>
+              <a:spcAft>
+                <a:spcPts val="0"/>
+              </a:spcAft>
+              <a:buClrTx/>
+              <a:buSzTx/>
+              <a:buFontTx/>
+              <a:buNone/>
+              <a:tabLst/>
+              <a:defRPr/>
+            </a:pPr>
+            <a:r>
+              <a:rPr lang="lt-LT" b="0" i="0" dirty="0">
+                <a:solidFill>
+                  <a:srgbClr val="374151"/>
+                </a:solidFill>
+                <a:effectLst/>
+                <a:latin typeface="Söhne"/>
+              </a:rPr>
+              <a:t>Dabar, kai jūs žinote, kaip panaudoti šį įrankį </a:t>
+            </a:r>
+            <a:r>
+              <a:rPr lang="lt-LT" b="0" i="0" dirty="0" err="1">
+                <a:solidFill>
+                  <a:srgbClr val="374151"/>
+                </a:solidFill>
+                <a:effectLst/>
+                <a:latin typeface="Söhne"/>
+              </a:rPr>
+              <a:t>teoriska</a:t>
+            </a:r>
+            <a:r>
+              <a:rPr lang="lt-LT" b="0" i="0" dirty="0">
+                <a:solidFill>
+                  <a:srgbClr val="374151"/>
+                </a:solidFill>
+                <a:effectLst/>
+                <a:latin typeface="Söhne"/>
+              </a:rPr>
+              <a:t>, laikas pradėti kurti ir dalintis savo nuostabiais darbais su pasauliu po </a:t>
+            </a:r>
+            <a:r>
+              <a:rPr lang="lt-LT" b="0" i="0" dirty="0" err="1">
+                <a:solidFill>
+                  <a:srgbClr val="374151"/>
+                </a:solidFill>
+                <a:effectLst/>
+                <a:latin typeface="Söhne"/>
+              </a:rPr>
+              <a:t>pmatyto</a:t>
+            </a:r>
+            <a:r>
+              <a:rPr lang="lt-LT" b="0" i="0" dirty="0">
+                <a:solidFill>
+                  <a:srgbClr val="374151"/>
+                </a:solidFill>
+                <a:effectLst/>
+                <a:latin typeface="Söhne"/>
+              </a:rPr>
+              <a:t> </a:t>
+            </a:r>
+            <a:r>
+              <a:rPr lang="lt-LT" b="0" i="0" dirty="0" err="1">
+                <a:solidFill>
+                  <a:srgbClr val="374151"/>
+                </a:solidFill>
+                <a:effectLst/>
+                <a:latin typeface="Söhne"/>
+              </a:rPr>
+              <a:t>recordinimo</a:t>
+            </a:r>
+            <a:r>
+              <a:rPr lang="lt-LT" b="0" i="0" dirty="0">
+                <a:solidFill>
+                  <a:srgbClr val="374151"/>
+                </a:solidFill>
+                <a:effectLst/>
+                <a:latin typeface="Söhne"/>
+              </a:rPr>
+              <a:t>!</a:t>
+            </a:r>
+          </a:p>
+          <a:p>
+            <a:pPr algn="l"/>
+            <a:endParaRPr lang="en-GB" b="0" i="0" dirty="0">
+              <a:solidFill>
+                <a:schemeClr val="bg1"/>
+              </a:solidFill>
+              <a:effectLst/>
+              <a:latin typeface="Roboto" panose="02000000000000000000" pitchFamily="2" charset="0"/>
+            </a:endParaRPr>
+          </a:p>
+          <a:p>
+            <a:pPr algn="l"/>
+            <a:br>
+              <a:rPr lang="en-GB" dirty="0">
+                <a:effectLst/>
+              </a:rPr>
+            </a:br>
             <a:endParaRPr lang="en-GB" dirty="0">
               <a:effectLst/>
             </a:endParaRPr>
@@ -3376,6 +3436,32 @@
               </a:rPr>
               <a:t>The performance metrics for the machine learning model include mean absolute error, root mean squared error, relative squared error, relative absolute error, and coefficient of determination, with an r squared value of 89%, indicating that the model performed well.</a:t>
             </a:r>
+          </a:p>
+          <a:p>
+            <a:pPr algn="l">
+              <a:buFont typeface="Arial" panose="020B0604020202020204" pitchFamily="34" charset="0"/>
+              <a:buChar char="•"/>
+            </a:pPr>
+            <a:endParaRPr lang="en-GB" b="0" i="0" dirty="0">
+              <a:solidFill>
+                <a:schemeClr val="bg1"/>
+              </a:solidFill>
+              <a:effectLst/>
+              <a:latin typeface="Roboto" panose="02000000000000000000" pitchFamily="2" charset="0"/>
+            </a:endParaRPr>
+          </a:p>
+          <a:p>
+            <a:pPr algn="l">
+              <a:buFont typeface="Arial" panose="020B0604020202020204" pitchFamily="34" charset="0"/>
+              <a:buChar char="•"/>
+            </a:pPr>
+            <a:endParaRPr lang="en-GB" b="0" i="0" dirty="0">
+              <a:solidFill>
+                <a:schemeClr val="bg1"/>
+              </a:solidFill>
+              <a:effectLst/>
+              <a:latin typeface="Roboto" panose="02000000000000000000" pitchFamily="2" charset="0"/>
+            </a:endParaRPr>
           </a:p>
         </p:txBody>
       </p:sp>
@@ -7003,7 +7089,7 @@
           <a:p>
             <a:fld id="{B3E8A050-3D4E-9548-9F2D-854D52F5DE15}" type="datetimeFigureOut">
               <a:rPr lang="en-LV" smtClean="0"/>
-              <a:t>9/17/23</a:t>
+              <a:t>9/18/23</a:t>
             </a:fld>
             <a:endParaRPr lang="en-LV"/>
           </a:p>
@@ -7203,7 +7289,7 @@
           <a:p>
             <a:fld id="{B3E8A050-3D4E-9548-9F2D-854D52F5DE15}" type="datetimeFigureOut">
               <a:rPr lang="en-LV" smtClean="0"/>
-              <a:t>9/17/23</a:t>
+              <a:t>9/18/23</a:t>
             </a:fld>
             <a:endParaRPr lang="en-LV"/>
           </a:p>
@@ -7413,7 +7499,7 @@
           <a:p>
             <a:fld id="{B3E8A050-3D4E-9548-9F2D-854D52F5DE15}" type="datetimeFigureOut">
               <a:rPr lang="en-LV" smtClean="0"/>
-              <a:t>9/17/23</a:t>
+              <a:t>9/18/23</a:t>
             </a:fld>
             <a:endParaRPr lang="en-LV"/>
           </a:p>
@@ -7613,7 +7699,7 @@
           <a:p>
             <a:fld id="{B3E8A050-3D4E-9548-9F2D-854D52F5DE15}" type="datetimeFigureOut">
               <a:rPr lang="en-LV" smtClean="0"/>
-              <a:t>9/17/23</a:t>
+              <a:t>9/18/23</a:t>
             </a:fld>
             <a:endParaRPr lang="en-LV"/>
           </a:p>
@@ -7889,7 +7975,7 @@
           <a:p>
             <a:fld id="{B3E8A050-3D4E-9548-9F2D-854D52F5DE15}" type="datetimeFigureOut">
               <a:rPr lang="en-LV" smtClean="0"/>
-              <a:t>9/17/23</a:t>
+              <a:t>9/18/23</a:t>
             </a:fld>
             <a:endParaRPr lang="en-LV"/>
           </a:p>
@@ -8157,7 +8243,7 @@
           <a:p>
             <a:fld id="{B3E8A050-3D4E-9548-9F2D-854D52F5DE15}" type="datetimeFigureOut">
               <a:rPr lang="en-LV" smtClean="0"/>
-              <a:t>9/17/23</a:t>
+              <a:t>9/18/23</a:t>
             </a:fld>
             <a:endParaRPr lang="en-LV"/>
           </a:p>
@@ -8572,7 +8658,7 @@
           <a:p>
             <a:fld id="{B3E8A050-3D4E-9548-9F2D-854D52F5DE15}" type="datetimeFigureOut">
               <a:rPr lang="en-LV" smtClean="0"/>
-              <a:t>9/17/23</a:t>
+              <a:t>9/18/23</a:t>
             </a:fld>
             <a:endParaRPr lang="en-LV"/>
           </a:p>
@@ -8714,7 +8800,7 @@
           <a:p>
             <a:fld id="{B3E8A050-3D4E-9548-9F2D-854D52F5DE15}" type="datetimeFigureOut">
               <a:rPr lang="en-LV" smtClean="0"/>
-              <a:t>9/17/23</a:t>
+              <a:t>9/18/23</a:t>
             </a:fld>
             <a:endParaRPr lang="en-LV"/>
           </a:p>
@@ -8827,7 +8913,7 @@
           <a:p>
             <a:fld id="{B3E8A050-3D4E-9548-9F2D-854D52F5DE15}" type="datetimeFigureOut">
               <a:rPr lang="en-LV" smtClean="0"/>
-              <a:t>9/17/23</a:t>
+              <a:t>9/18/23</a:t>
             </a:fld>
             <a:endParaRPr lang="en-LV"/>
           </a:p>
@@ -9140,7 +9226,7 @@
           <a:p>
             <a:fld id="{B3E8A050-3D4E-9548-9F2D-854D52F5DE15}" type="datetimeFigureOut">
               <a:rPr lang="en-LV" smtClean="0"/>
-              <a:t>9/17/23</a:t>
+              <a:t>9/18/23</a:t>
             </a:fld>
             <a:endParaRPr lang="en-LV"/>
           </a:p>
@@ -9429,7 +9515,7 @@
           <a:p>
             <a:fld id="{B3E8A050-3D4E-9548-9F2D-854D52F5DE15}" type="datetimeFigureOut">
               <a:rPr lang="en-LV" smtClean="0"/>
-              <a:t>9/17/23</a:t>
+              <a:t>9/18/23</a:t>
             </a:fld>
             <a:endParaRPr lang="en-LV"/>
           </a:p>
@@ -9702,7 +9788,7 @@
           <a:p>
             <a:fld id="{B3E8A050-3D4E-9548-9F2D-854D52F5DE15}" type="datetimeFigureOut">
               <a:rPr lang="en-LV" smtClean="0"/>
-              <a:t>9/17/23</a:t>
+              <a:t>9/18/23</a:t>
             </a:fld>
             <a:endParaRPr lang="en-LV"/>
           </a:p>
@@ -12091,23 +12177,7 @@
                 <a:effectLst/>
                 <a:latin typeface="Roboto" panose="02000000000000000000" pitchFamily="2" charset="0"/>
               </a:rPr>
-              <a:t> with the "inspire me" feature. Collapse</a:t>
-            </a:r>
-          </a:p>
-          <a:p>
-            <a:pPr algn="l">
-              <a:buFont typeface="Arial" panose="020B0604020202020204" pitchFamily="34" charset="0"/>
-              <a:buChar char="•"/>
-            </a:pPr>
-            <a:r>
-              <a:rPr lang="en-GB" b="0" i="0" dirty="0">
-                <a:solidFill>
-                  <a:schemeClr val="bg1"/>
-                </a:solidFill>
-                <a:effectLst/>
-                <a:latin typeface="Roboto" panose="02000000000000000000" pitchFamily="2" charset="0"/>
-              </a:rPr>
-              <a:t>You can easily add media such as photos, graphics, and videos from various sources, including your device, Google Drive, Dropbox, and OneDrive, and the designer tool also recommends relevant images based on the content of your page.</a:t>
+              <a:t> with the "inspire me" feature. You can easily add media such as photos, graphics, and videos from various sources, including your device, Google Drive, Dropbox, and OneDrive, and the designer tool also recommends relevant images based on the content of your page.</a:t>
             </a:r>
           </a:p>
           <a:p>
